--- a/DVD/prezentacio/K971UM_Lovas_Tick.pptx
+++ b/DVD/prezentacio/K971UM_Lovas_Tick.pptx
@@ -8586,11 +8586,7 @@
             </a:r>
             <a:r>
               <a:rPr lang="hu-HU" dirty="0" smtClean="0"/>
-              <a:t> </a:t>
-            </a:r>
-            <a:r>
-              <a:rPr lang="hu-HU" dirty="0" smtClean="0"/>
-              <a:t>alapú</a:t>
+              <a:t> alapú</a:t>
             </a:r>
             <a:endParaRPr lang="hu-HU" dirty="0"/>
           </a:p>
@@ -8904,7 +8900,7 @@
           <a:bodyPr/>
           <a:lstStyle/>
           <a:p>
-            <a:endParaRPr lang="hu-HU"/>
+            <a:endParaRPr lang="hu-HU" dirty="0"/>
           </a:p>
         </p:txBody>
       </p:sp>
@@ -8923,7 +8919,19 @@
           <a:bodyPr/>
           <a:lstStyle/>
           <a:p>
-            <a:endParaRPr lang="hu-HU"/>
+            <a:r>
+              <a:rPr lang="hu-HU" dirty="0" smtClean="0"/>
+              <a:t>Tervezési minták (összetétel, sablon függvény, </a:t>
+            </a:r>
+            <a:r>
+              <a:rPr lang="hu-HU" dirty="0" err="1" smtClean="0"/>
+              <a:t>DepI</a:t>
+            </a:r>
+            <a:r>
+              <a:rPr lang="hu-HU" dirty="0" smtClean="0"/>
+              <a:t>,)</a:t>
+            </a:r>
+            <a:endParaRPr lang="hu-HU" dirty="0"/>
           </a:p>
         </p:txBody>
       </p:sp>

--- a/DVD/prezentacio/K971UM_Lovas_Tick.pptx
+++ b/DVD/prezentacio/K971UM_Lovas_Tick.pptx
@@ -5,14 +5,19 @@
     <p:sldMasterId id="2147484358" r:id="rId1"/>
   </p:sldMasterIdLst>
   <p:notesMasterIdLst>
-    <p:notesMasterId r:id="rId7"/>
+    <p:notesMasterId r:id="rId12"/>
   </p:notesMasterIdLst>
   <p:sldIdLst>
     <p:sldId id="256" r:id="rId2"/>
     <p:sldId id="262" r:id="rId3"/>
     <p:sldId id="272" r:id="rId4"/>
-    <p:sldId id="273" r:id="rId5"/>
-    <p:sldId id="261" r:id="rId6"/>
+    <p:sldId id="275" r:id="rId5"/>
+    <p:sldId id="273" r:id="rId6"/>
+    <p:sldId id="276" r:id="rId7"/>
+    <p:sldId id="277" r:id="rId8"/>
+    <p:sldId id="274" r:id="rId9"/>
+    <p:sldId id="278" r:id="rId10"/>
+    <p:sldId id="261" r:id="rId11"/>
   </p:sldIdLst>
   <p:sldSz cx="9144000" cy="6858000" type="screen4x3"/>
   <p:notesSz cx="6858000" cy="9144000"/>
@@ -201,7 +206,7 @@
           <a:p>
             <a:fld id="{0BFE7ABC-7587-426C-9EE6-74DDA7FCB379}" type="datetimeFigureOut">
               <a:rPr lang="hu-HU" smtClean="0"/>
-              <a:t>2015.05.14.</a:t>
+              <a:t>2015.05.15.</a:t>
             </a:fld>
             <a:endParaRPr lang="hu-HU"/>
           </a:p>
@@ -825,7 +830,7 @@
           <a:p>
             <a:fld id="{D082A152-68D3-4BA8-8FFA-66340C3122D9}" type="datetime1">
               <a:rPr lang="hu-HU" smtClean="0"/>
-              <a:t>2015.05.14.</a:t>
+              <a:t>2015.05.15.</a:t>
             </a:fld>
             <a:endParaRPr lang="hu-HU"/>
           </a:p>
@@ -1167,7 +1172,7 @@
           <a:p>
             <a:fld id="{FB972950-2F29-4D69-89BA-86223D6791C6}" type="datetime1">
               <a:rPr lang="hu-HU" smtClean="0"/>
-              <a:t>2015.05.14.</a:t>
+              <a:t>2015.05.15.</a:t>
             </a:fld>
             <a:endParaRPr lang="hu-HU"/>
           </a:p>
@@ -1573,7 +1578,7 @@
           <a:p>
             <a:fld id="{2C4D0993-F0BB-4379-A683-145DB6210725}" type="datetime1">
               <a:rPr lang="hu-HU" smtClean="0"/>
-              <a:t>2015.05.14.</a:t>
+              <a:t>2015.05.15.</a:t>
             </a:fld>
             <a:endParaRPr lang="hu-HU"/>
           </a:p>
@@ -1914,7 +1919,7 @@
           <a:p>
             <a:fld id="{E5C272CF-9788-4A3D-BF55-B15D03FD3AE6}" type="datetime1">
               <a:rPr lang="hu-HU" smtClean="0"/>
-              <a:t>2015.05.14.</a:t>
+              <a:t>2015.05.15.</a:t>
             </a:fld>
             <a:endParaRPr lang="hu-HU"/>
           </a:p>
@@ -2239,7 +2244,7 @@
           <a:p>
             <a:fld id="{8A695BD0-996E-4C21-80B3-D4194B70CE01}" type="datetime1">
               <a:rPr lang="hu-HU" smtClean="0"/>
-              <a:t>2015.05.14.</a:t>
+              <a:t>2015.05.15.</a:t>
             </a:fld>
             <a:endParaRPr lang="hu-HU"/>
           </a:p>
@@ -2640,7 +2645,7 @@
           <a:p>
             <a:fld id="{DF469BBD-3243-4C51-902A-FA89F52D9F04}" type="datetime1">
               <a:rPr lang="hu-HU" smtClean="0"/>
-              <a:t>2015.05.14.</a:t>
+              <a:t>2015.05.15.</a:t>
             </a:fld>
             <a:endParaRPr lang="hu-HU"/>
           </a:p>
@@ -2902,7 +2907,7 @@
           <a:p>
             <a:fld id="{C63140DA-BA54-4089-AA08-CE2B3321C992}" type="datetime1">
               <a:rPr lang="hu-HU" smtClean="0"/>
-              <a:t>2015.05.14.</a:t>
+              <a:t>2015.05.15.</a:t>
             </a:fld>
             <a:endParaRPr lang="hu-HU"/>
           </a:p>
@@ -3172,7 +3177,7 @@
           <a:p>
             <a:fld id="{6E30FE33-CDF8-4457-BB25-19B14CF59DC3}" type="datetime1">
               <a:rPr lang="hu-HU" smtClean="0"/>
-              <a:t>2015.05.14.</a:t>
+              <a:t>2015.05.15.</a:t>
             </a:fld>
             <a:endParaRPr lang="hu-HU"/>
           </a:p>
@@ -3442,7 +3447,7 @@
           <a:p>
             <a:fld id="{03D676D7-D59D-4A09-B58E-2656492CACBF}" type="datetime1">
               <a:rPr lang="hu-HU" smtClean="0"/>
-              <a:t>2015.05.14.</a:t>
+              <a:t>2015.05.15.</a:t>
             </a:fld>
             <a:endParaRPr lang="hu-HU"/>
           </a:p>
@@ -3789,7 +3794,7 @@
           <a:p>
             <a:fld id="{978C7689-56D8-4602-B032-9158F40BD45B}" type="datetime1">
               <a:rPr lang="hu-HU" smtClean="0"/>
-              <a:t>2015.05.14.</a:t>
+              <a:t>2015.05.15.</a:t>
             </a:fld>
             <a:endParaRPr lang="hu-HU"/>
           </a:p>
@@ -4120,7 +4125,7 @@
           <a:p>
             <a:fld id="{BF30131F-06F6-4774-A53E-07FEA6494F2D}" type="datetime1">
               <a:rPr lang="hu-HU" smtClean="0"/>
-              <a:t>2015.05.14.</a:t>
+              <a:t>2015.05.15.</a:t>
             </a:fld>
             <a:endParaRPr lang="hu-HU"/>
           </a:p>
@@ -4590,7 +4595,7 @@
           <a:p>
             <a:fld id="{ABF215DF-D7AE-46E3-B604-B960385ABE48}" type="datetime1">
               <a:rPr lang="hu-HU" smtClean="0"/>
-              <a:t>2015.05.14.</a:t>
+              <a:t>2015.05.15.</a:t>
             </a:fld>
             <a:endParaRPr lang="hu-HU"/>
           </a:p>
@@ -4813,7 +4818,7 @@
           <a:p>
             <a:fld id="{144512EA-F824-4E4B-B5DF-A1F6ECD7AF13}" type="datetime1">
               <a:rPr lang="hu-HU" smtClean="0"/>
-              <a:t>2015.05.14.</a:t>
+              <a:t>2015.05.15.</a:t>
             </a:fld>
             <a:endParaRPr lang="hu-HU"/>
           </a:p>
@@ -4998,7 +5003,7 @@
           <a:p>
             <a:fld id="{EE25EC8A-BED7-4FEE-95B3-7BB90935411D}" type="datetime1">
               <a:rPr lang="hu-HU" smtClean="0"/>
-              <a:t>2015.05.14.</a:t>
+              <a:t>2015.05.15.</a:t>
             </a:fld>
             <a:endParaRPr lang="hu-HU"/>
           </a:p>
@@ -5339,7 +5344,7 @@
           <a:p>
             <a:fld id="{F604A713-079A-41B3-98EA-863F8FD87E62}" type="datetime1">
               <a:rPr lang="hu-HU" smtClean="0"/>
-              <a:t>2015.05.14.</a:t>
+              <a:t>2015.05.15.</a:t>
             </a:fld>
             <a:endParaRPr lang="hu-HU"/>
           </a:p>
@@ -5692,7 +5697,7 @@
           <a:p>
             <a:fld id="{DD1B35A1-E415-41FA-B7E8-59BA339CD23D}" type="datetime1">
               <a:rPr lang="hu-HU" smtClean="0"/>
-              <a:t>2015.05.14.</a:t>
+              <a:t>2015.05.15.</a:t>
             </a:fld>
             <a:endParaRPr lang="hu-HU"/>
           </a:p>
@@ -7817,7 +7822,7 @@
           <a:p>
             <a:fld id="{CB2634E6-6348-4767-BF30-0600B1D85CC0}" type="datetime1">
               <a:rPr lang="hu-HU" smtClean="0"/>
-              <a:t>2015.05.14.</a:t>
+              <a:t>2015.05.15.</a:t>
             </a:fld>
             <a:endParaRPr lang="hu-HU"/>
           </a:p>
@@ -8446,7 +8451,7 @@
             </a:fld>
             <a:r>
               <a:rPr lang="hu-HU" dirty="0" smtClean="0"/>
-              <a:t>/11</a:t>
+              <a:t>/10</a:t>
             </a:r>
             <a:endParaRPr lang="hu-HU" dirty="0"/>
           </a:p>
@@ -8456,6 +8461,113 @@
     <p:extLst>
       <p:ext uri="{BB962C8B-B14F-4D97-AF65-F5344CB8AC3E}">
         <p14:creationId xmlns:p14="http://schemas.microsoft.com/office/powerpoint/2010/main" val="1581831317"/>
+      </p:ext>
+    </p:extLst>
+  </p:cSld>
+  <p:clrMapOvr>
+    <a:masterClrMapping/>
+  </p:clrMapOvr>
+  <p:transition spd="slow">
+    <p:cover dir="u"/>
+  </p:transition>
+  <p:timing>
+    <p:tnLst>
+      <p:par>
+        <p:cTn id="1" dur="indefinite" restart="never" nodeType="tmRoot"/>
+      </p:par>
+    </p:tnLst>
+  </p:timing>
+</p:sld>
+</file>
+
+<file path=ppt/slides/slide10.xml><?xml version="1.0" encoding="utf-8"?>
+<p:sld xmlns:a="http://schemas.openxmlformats.org/drawingml/2006/main" xmlns:r="http://schemas.openxmlformats.org/officeDocument/2006/relationships" xmlns:p="http://schemas.openxmlformats.org/presentationml/2006/main">
+  <p:cSld>
+    <p:spTree>
+      <p:nvGrpSpPr>
+        <p:cNvPr id="1" name=""/>
+        <p:cNvGrpSpPr/>
+        <p:nvPr/>
+      </p:nvGrpSpPr>
+      <p:grpSpPr>
+        <a:xfrm>
+          <a:off x="0" y="0"/>
+          <a:ext cx="0" cy="0"/>
+          <a:chOff x="0" y="0"/>
+          <a:chExt cx="0" cy="0"/>
+        </a:xfrm>
+      </p:grpSpPr>
+      <p:sp>
+        <p:nvSpPr>
+          <p:cNvPr id="4" name="Cím 3"/>
+          <p:cNvSpPr>
+            <a:spLocks noGrp="1"/>
+          </p:cNvSpPr>
+          <p:nvPr>
+            <p:ph type="ctrTitle"/>
+          </p:nvPr>
+        </p:nvSpPr>
+        <p:spPr/>
+        <p:txBody>
+          <a:bodyPr>
+            <a:normAutofit fontScale="90000"/>
+          </a:bodyPr>
+          <a:lstStyle/>
+          <a:p>
+            <a:r>
+              <a:rPr lang="hu-HU" dirty="0" smtClean="0"/>
+              <a:t>Köszönöm a megtisztelő figyelmet!</a:t>
+            </a:r>
+            <a:endParaRPr lang="hu-HU" dirty="0"/>
+          </a:p>
+        </p:txBody>
+      </p:sp>
+      <p:sp>
+        <p:nvSpPr>
+          <p:cNvPr id="5" name="Alcím 4"/>
+          <p:cNvSpPr>
+            <a:spLocks noGrp="1"/>
+          </p:cNvSpPr>
+          <p:nvPr>
+            <p:ph type="subTitle" idx="1"/>
+          </p:nvPr>
+        </p:nvSpPr>
+        <p:spPr/>
+        <p:txBody>
+          <a:bodyPr/>
+          <a:lstStyle/>
+          <a:p>
+            <a:endParaRPr lang="hu-HU"/>
+          </a:p>
+        </p:txBody>
+      </p:sp>
+      <p:sp>
+        <p:nvSpPr>
+          <p:cNvPr id="2" name="Dia számának helye 1"/>
+          <p:cNvSpPr>
+            <a:spLocks noGrp="1"/>
+          </p:cNvSpPr>
+          <p:nvPr>
+            <p:ph type="sldNum" sz="quarter" idx="12"/>
+          </p:nvPr>
+        </p:nvSpPr>
+        <p:spPr/>
+        <p:txBody>
+          <a:bodyPr/>
+          <a:lstStyle/>
+          <a:p>
+            <a:fld id="{53C2A44F-FBB0-495B-B99B-04B6067A3D52}" type="slidenum">
+              <a:rPr lang="hu-HU" smtClean="0"/>
+              <a:t>10</a:t>
+            </a:fld>
+            <a:endParaRPr lang="hu-HU"/>
+          </a:p>
+        </p:txBody>
+      </p:sp>
+    </p:spTree>
+    <p:extLst>
+      <p:ext uri="{BB962C8B-B14F-4D97-AF65-F5344CB8AC3E}">
+        <p14:creationId xmlns:p14="http://schemas.microsoft.com/office/powerpoint/2010/main" val="2806850948"/>
       </p:ext>
     </p:extLst>
   </p:cSld>
@@ -8533,87 +8645,95 @@
           <a:p>
             <a:r>
               <a:rPr lang="hu-HU" dirty="0" smtClean="0"/>
-              <a:t>Egy eszköz, mely támogatja </a:t>
+              <a:t>Irodalomkutatás</a:t>
+            </a:r>
+          </a:p>
+          <a:p>
+            <a:pPr lvl="1"/>
+            <a:r>
+              <a:rPr lang="hu-HU" dirty="0" smtClean="0"/>
+              <a:t>Követelmények</a:t>
+            </a:r>
+          </a:p>
+          <a:p>
+            <a:pPr lvl="1"/>
+            <a:r>
+              <a:rPr lang="hu-HU" dirty="0" smtClean="0"/>
+              <a:t>Modellezés</a:t>
+            </a:r>
+          </a:p>
+          <a:p>
+            <a:pPr lvl="1"/>
+            <a:r>
+              <a:rPr lang="hu-HU" dirty="0" smtClean="0"/>
+              <a:t>Információk kinyerése</a:t>
+            </a:r>
+            <a:endParaRPr lang="hu-HU" dirty="0"/>
+          </a:p>
+          <a:p>
+            <a:r>
+              <a:rPr lang="hu-HU" dirty="0" smtClean="0"/>
+              <a:t>Egy eszköz</a:t>
+            </a:r>
+          </a:p>
+          <a:p>
+            <a:pPr lvl="1"/>
+            <a:r>
+              <a:rPr lang="hu-HU" dirty="0" smtClean="0"/>
+              <a:t>Követelmény- </a:t>
+            </a:r>
+            <a:r>
+              <a:rPr lang="hu-HU" b="1" dirty="0"/>
+              <a:t>f</a:t>
+            </a:r>
+            <a:r>
+              <a:rPr lang="hu-HU" b="1" dirty="0" smtClean="0"/>
+              <a:t>eltárás</a:t>
+            </a:r>
+            <a:r>
+              <a:rPr lang="hu-HU" dirty="0" smtClean="0"/>
+              <a:t>, </a:t>
+            </a:r>
+            <a:r>
+              <a:rPr lang="hu-HU" b="1" dirty="0" smtClean="0"/>
+              <a:t>analízis</a:t>
+            </a:r>
+            <a:r>
+              <a:rPr lang="hu-HU" dirty="0" smtClean="0"/>
+              <a:t> és </a:t>
+            </a:r>
+            <a:r>
+              <a:rPr lang="hu-HU" b="1" dirty="0" smtClean="0"/>
+              <a:t>modellezés</a:t>
+            </a:r>
+            <a:endParaRPr lang="hu-HU" dirty="0"/>
+          </a:p>
+          <a:p>
+            <a:pPr lvl="1"/>
+            <a:r>
+              <a:rPr lang="hu-HU" b="1" dirty="0" smtClean="0"/>
+              <a:t>Web</a:t>
+            </a:r>
+            <a:r>
+              <a:rPr lang="hu-HU" dirty="0" smtClean="0"/>
+              <a:t> alapú</a:t>
+            </a:r>
+          </a:p>
+          <a:p>
+            <a:pPr lvl="1"/>
+            <a:r>
+              <a:rPr lang="hu-HU" dirty="0" smtClean="0"/>
+              <a:t>Támogatja </a:t>
             </a:r>
             <a:r>
               <a:rPr lang="hu-HU" dirty="0"/>
               <a:t>a </a:t>
             </a:r>
             <a:r>
-              <a:rPr lang="hu-HU" dirty="0" smtClean="0"/>
-              <a:t>követelmények</a:t>
-            </a:r>
-          </a:p>
-          <a:p>
-            <a:pPr lvl="1"/>
-            <a:r>
               <a:rPr lang="hu-HU" b="1" dirty="0" smtClean="0"/>
-              <a:t>Feltárását</a:t>
-            </a:r>
-            <a:r>
-              <a:rPr lang="hu-HU" dirty="0"/>
-              <a:t>, megírását, </a:t>
-            </a:r>
-            <a:r>
-              <a:rPr lang="hu-HU" b="1" dirty="0"/>
-              <a:t>analízisét</a:t>
-            </a:r>
-            <a:r>
-              <a:rPr lang="hu-HU" dirty="0"/>
-              <a:t>, </a:t>
-            </a:r>
-            <a:r>
-              <a:rPr lang="hu-HU" b="1" dirty="0"/>
-              <a:t>modellezését</a:t>
-            </a:r>
-            <a:r>
-              <a:rPr lang="hu-HU" dirty="0"/>
-              <a:t> és bizonyos szintű </a:t>
-            </a:r>
-            <a:r>
-              <a:rPr lang="hu-HU" b="1" dirty="0"/>
-              <a:t>követését</a:t>
-            </a:r>
-            <a:r>
-              <a:rPr lang="hu-HU" dirty="0"/>
-              <a:t>.</a:t>
-            </a:r>
-          </a:p>
-          <a:p>
-            <a:r>
-              <a:rPr lang="hu-HU" b="1" dirty="0" smtClean="0"/>
-              <a:t>Web</a:t>
-            </a:r>
-            <a:r>
-              <a:rPr lang="hu-HU" dirty="0" smtClean="0"/>
-              <a:t> alapú</a:t>
+              <a:t>kollaborációt</a:t>
             </a:r>
             <a:endParaRPr lang="hu-HU" dirty="0"/>
-          </a:p>
-          <a:p>
-            <a:r>
-              <a:rPr lang="hu-HU" dirty="0" smtClean="0"/>
-              <a:t>Egy </a:t>
-            </a:r>
-            <a:r>
-              <a:rPr lang="hu-HU" dirty="0"/>
-              <a:t>eszköz, mely támogatja a </a:t>
-            </a:r>
-            <a:r>
-              <a:rPr lang="hu-HU" b="1" dirty="0"/>
-              <a:t>kollaborációt</a:t>
-            </a:r>
-          </a:p>
-          <a:p>
-            <a:pPr lvl="1"/>
-            <a:r>
-              <a:rPr lang="hu-HU" dirty="0" smtClean="0"/>
-              <a:t>Az </a:t>
-            </a:r>
-            <a:r>
-              <a:rPr lang="hu-HU" dirty="0"/>
-              <a:t>eszköz összes felhasználója a modellezni kívánt rendszer aktuális állapotát lássa.</a:t>
-            </a:r>
           </a:p>
           <a:p>
             <a:endParaRPr lang="hu-HU" dirty="0"/>
@@ -8639,6 +8759,10 @@
               <a:rPr lang="hu-HU" smtClean="0"/>
               <a:t>2</a:t>
             </a:fld>
+            <a:r>
+              <a:rPr lang="hu-HU" dirty="0" smtClean="0"/>
+              <a:t>/10</a:t>
+            </a:r>
             <a:endParaRPr lang="hu-HU" dirty="0"/>
           </a:p>
         </p:txBody>
@@ -8839,7 +8963,7 @@
             </a:fld>
             <a:r>
               <a:rPr lang="hu-HU" dirty="0" smtClean="0"/>
-              <a:t>/11</a:t>
+              <a:t>/10</a:t>
             </a:r>
             <a:endParaRPr lang="hu-HU" dirty="0"/>
           </a:p>
@@ -8900,36 +9024,9 @@
           <a:bodyPr/>
           <a:lstStyle/>
           <a:p>
-            <a:endParaRPr lang="hu-HU" dirty="0"/>
-          </a:p>
-        </p:txBody>
-      </p:sp>
-      <p:sp>
-        <p:nvSpPr>
-          <p:cNvPr id="3" name="Tartalom helye 2"/>
-          <p:cNvSpPr>
-            <a:spLocks noGrp="1"/>
-          </p:cNvSpPr>
-          <p:nvPr>
-            <p:ph idx="1"/>
-          </p:nvPr>
-        </p:nvSpPr>
-        <p:spPr/>
-        <p:txBody>
-          <a:bodyPr/>
-          <a:lstStyle/>
-          <a:p>
             <a:r>
               <a:rPr lang="hu-HU" dirty="0" smtClean="0"/>
-              <a:t>Tervezési minták (összetétel, sablon függvény, </a:t>
-            </a:r>
-            <a:r>
-              <a:rPr lang="hu-HU" dirty="0" err="1" smtClean="0"/>
-              <a:t>DepI</a:t>
-            </a:r>
-            <a:r>
-              <a:rPr lang="hu-HU" dirty="0" smtClean="0"/>
-              <a:t>,)</a:t>
+              <a:t>Rendszerterv áttekintése</a:t>
             </a:r>
             <a:endParaRPr lang="hu-HU" dirty="0"/>
           </a:p>
@@ -8956,17 +9053,43 @@
               <a:t>4</a:t>
             </a:fld>
             <a:r>
-              <a:rPr lang="hu-HU" smtClean="0"/>
-              <a:t>/13</a:t>
+              <a:rPr lang="hu-HU" dirty="0" smtClean="0"/>
+              <a:t>/10</a:t>
             </a:r>
             <a:endParaRPr lang="hu-HU" dirty="0"/>
           </a:p>
         </p:txBody>
       </p:sp>
+      <p:pic>
+        <p:nvPicPr>
+          <p:cNvPr id="5" name="Tartalom helye 4"/>
+          <p:cNvPicPr>
+            <a:picLocks noGrp="1"/>
+          </p:cNvPicPr>
+          <p:nvPr>
+            <p:ph idx="1"/>
+          </p:nvPr>
+        </p:nvPicPr>
+        <p:blipFill>
+          <a:blip r:embed="rId2"/>
+          <a:stretch>
+            <a:fillRect/>
+          </a:stretch>
+        </p:blipFill>
+        <p:spPr>
+          <a:xfrm>
+            <a:off x="1945200" y="2410099"/>
+            <a:ext cx="6589199" cy="3320094"/>
+          </a:xfrm>
+          <a:prstGeom prst="rect">
+            <a:avLst/>
+          </a:prstGeom>
+        </p:spPr>
+      </p:pic>
     </p:spTree>
     <p:extLst>
       <p:ext uri="{BB962C8B-B14F-4D97-AF65-F5344CB8AC3E}">
-        <p14:creationId xmlns:p14="http://schemas.microsoft.com/office/powerpoint/2010/main" val="2438846949"/>
+        <p14:creationId xmlns:p14="http://schemas.microsoft.com/office/powerpoint/2010/main" val="1796320212"/>
       </p:ext>
     </p:extLst>
   </p:cSld>
@@ -8976,6 +9099,13 @@
   <p:transition spd="slow">
     <p:cover dir="u"/>
   </p:transition>
+  <p:timing>
+    <p:tnLst>
+      <p:par>
+        <p:cTn id="1" dur="indefinite" restart="never" nodeType="tmRoot"/>
+      </p:par>
+    </p:tnLst>
+  </p:timing>
 </p:sld>
 </file>
 
@@ -8998,37 +9128,12 @@
       </p:grpSpPr>
       <p:sp>
         <p:nvSpPr>
-          <p:cNvPr id="4" name="Cím 3"/>
-          <p:cNvSpPr>
-            <a:spLocks noGrp="1"/>
-          </p:cNvSpPr>
-          <p:nvPr>
-            <p:ph type="ctrTitle"/>
-          </p:nvPr>
-        </p:nvSpPr>
-        <p:spPr/>
-        <p:txBody>
-          <a:bodyPr>
-            <a:normAutofit fontScale="90000"/>
-          </a:bodyPr>
-          <a:lstStyle/>
-          <a:p>
-            <a:r>
-              <a:rPr lang="hu-HU" dirty="0" smtClean="0"/>
-              <a:t>Köszönöm a megtisztelő figyelmet!</a:t>
-            </a:r>
-            <a:endParaRPr lang="hu-HU" dirty="0"/>
-          </a:p>
-        </p:txBody>
-      </p:sp>
-      <p:sp>
-        <p:nvSpPr>
-          <p:cNvPr id="5" name="Alcím 4"/>
-          <p:cNvSpPr>
-            <a:spLocks noGrp="1"/>
-          </p:cNvSpPr>
-          <p:nvPr>
-            <p:ph type="subTitle" idx="1"/>
+          <p:cNvPr id="2" name="Cím 1"/>
+          <p:cNvSpPr>
+            <a:spLocks noGrp="1"/>
+          </p:cNvSpPr>
+          <p:nvPr>
+            <p:ph type="title"/>
           </p:nvPr>
         </p:nvSpPr>
         <p:spPr/>
@@ -9036,18 +9141,22 @@
           <a:bodyPr/>
           <a:lstStyle/>
           <a:p>
-            <a:endParaRPr lang="hu-HU"/>
-          </a:p>
-        </p:txBody>
-      </p:sp>
-      <p:sp>
-        <p:nvSpPr>
-          <p:cNvPr id="2" name="Dia számának helye 1"/>
-          <p:cNvSpPr>
-            <a:spLocks noGrp="1"/>
-          </p:cNvSpPr>
-          <p:nvPr>
-            <p:ph type="sldNum" sz="quarter" idx="12"/>
+            <a:r>
+              <a:rPr lang="hu-HU" dirty="0" smtClean="0"/>
+              <a:t>Rendszerterv</a:t>
+            </a:r>
+            <a:endParaRPr lang="hu-HU" dirty="0"/>
+          </a:p>
+        </p:txBody>
+      </p:sp>
+      <p:sp>
+        <p:nvSpPr>
+          <p:cNvPr id="3" name="Tartalom helye 2"/>
+          <p:cNvSpPr>
+            <a:spLocks noGrp="1"/>
+          </p:cNvSpPr>
+          <p:nvPr>
+            <p:ph idx="1"/>
           </p:nvPr>
         </p:nvSpPr>
         <p:spPr/>
@@ -9055,18 +9164,130 @@
           <a:bodyPr/>
           <a:lstStyle/>
           <a:p>
+            <a:r>
+              <a:rPr lang="hu-HU" dirty="0" smtClean="0"/>
+              <a:t>Tervezési minták </a:t>
+            </a:r>
+          </a:p>
+          <a:p>
+            <a:pPr lvl="1"/>
+            <a:r>
+              <a:rPr lang="hu-HU" dirty="0" smtClean="0"/>
+              <a:t>Összetétel, Sablon függvény</a:t>
+            </a:r>
+          </a:p>
+          <a:p>
+            <a:pPr lvl="1"/>
+            <a:r>
+              <a:rPr lang="hu-HU" dirty="0" err="1" smtClean="0"/>
+              <a:t>UnitOfWork</a:t>
+            </a:r>
+            <a:r>
+              <a:rPr lang="hu-HU" dirty="0" smtClean="0"/>
+              <a:t>, </a:t>
+            </a:r>
+            <a:r>
+              <a:rPr lang="hu-HU" dirty="0" err="1" smtClean="0"/>
+              <a:t>Generic</a:t>
+            </a:r>
+            <a:r>
+              <a:rPr lang="hu-HU" dirty="0" smtClean="0"/>
+              <a:t> </a:t>
+            </a:r>
+            <a:r>
+              <a:rPr lang="hu-HU" dirty="0" err="1" smtClean="0"/>
+              <a:t>Repository</a:t>
+            </a:r>
+            <a:r>
+              <a:rPr lang="hu-HU" dirty="0" smtClean="0"/>
+              <a:t>, </a:t>
+            </a:r>
+            <a:r>
+              <a:rPr lang="hu-HU" dirty="0" err="1" smtClean="0"/>
+              <a:t>Dependency</a:t>
+            </a:r>
+            <a:r>
+              <a:rPr lang="hu-HU" dirty="0" smtClean="0"/>
+              <a:t> </a:t>
+            </a:r>
+            <a:r>
+              <a:rPr lang="hu-HU" dirty="0" err="1" smtClean="0"/>
+              <a:t>Injection</a:t>
+            </a:r>
+            <a:endParaRPr lang="hu-HU" dirty="0"/>
+          </a:p>
+          <a:p>
+            <a:r>
+              <a:rPr lang="hu-HU" dirty="0" smtClean="0"/>
+              <a:t>Entitás modell</a:t>
+            </a:r>
+          </a:p>
+          <a:p>
+            <a:pPr lvl="1"/>
+            <a:r>
+              <a:rPr lang="hu-HU" dirty="0" smtClean="0"/>
+              <a:t>Elemek</a:t>
+            </a:r>
+          </a:p>
+          <a:p>
+            <a:pPr lvl="1"/>
+            <a:r>
+              <a:rPr lang="hu-HU" dirty="0" smtClean="0"/>
+              <a:t>Diagram</a:t>
+            </a:r>
+          </a:p>
+          <a:p>
+            <a:pPr lvl="1"/>
+            <a:r>
+              <a:rPr lang="hu-HU" dirty="0" smtClean="0"/>
+              <a:t>Diagram elemek</a:t>
+            </a:r>
+          </a:p>
+          <a:p>
+            <a:pPr lvl="1"/>
+            <a:r>
+              <a:rPr lang="hu-HU" dirty="0" smtClean="0"/>
+              <a:t>Annotációk</a:t>
+            </a:r>
+          </a:p>
+          <a:p>
+            <a:pPr lvl="1"/>
+            <a:endParaRPr lang="hu-HU" dirty="0"/>
+          </a:p>
+        </p:txBody>
+      </p:sp>
+      <p:sp>
+        <p:nvSpPr>
+          <p:cNvPr id="4" name="Dia számának helye 3"/>
+          <p:cNvSpPr>
+            <a:spLocks noGrp="1"/>
+          </p:cNvSpPr>
+          <p:nvPr>
+            <p:ph type="sldNum" sz="quarter" idx="12"/>
+          </p:nvPr>
+        </p:nvSpPr>
+        <p:spPr/>
+        <p:txBody>
+          <a:bodyPr/>
+          <a:lstStyle/>
+          <a:p>
             <a:fld id="{53C2A44F-FBB0-495B-B99B-04B6067A3D52}" type="slidenum">
               <a:rPr lang="hu-HU" smtClean="0"/>
+              <a:pPr/>
               <a:t>5</a:t>
             </a:fld>
-            <a:endParaRPr lang="hu-HU"/>
+            <a:r>
+              <a:rPr lang="hu-HU" dirty="0" smtClean="0"/>
+              <a:t>/10</a:t>
+            </a:r>
+            <a:endParaRPr lang="hu-HU" dirty="0"/>
           </a:p>
         </p:txBody>
       </p:sp>
     </p:spTree>
     <p:extLst>
       <p:ext uri="{BB962C8B-B14F-4D97-AF65-F5344CB8AC3E}">
-        <p14:creationId xmlns:p14="http://schemas.microsoft.com/office/powerpoint/2010/main" val="2806850948"/>
+        <p14:creationId xmlns:p14="http://schemas.microsoft.com/office/powerpoint/2010/main" val="2438846949"/>
       </p:ext>
     </p:extLst>
   </p:cSld>
@@ -9083,6 +9304,514 @@
       </p:par>
     </p:tnLst>
   </p:timing>
+</p:sld>
+</file>
+
+<file path=ppt/slides/slide6.xml><?xml version="1.0" encoding="utf-8"?>
+<p:sld xmlns:a="http://schemas.openxmlformats.org/drawingml/2006/main" xmlns:r="http://schemas.openxmlformats.org/officeDocument/2006/relationships" xmlns:p="http://schemas.openxmlformats.org/presentationml/2006/main">
+  <p:cSld>
+    <p:spTree>
+      <p:nvGrpSpPr>
+        <p:cNvPr id="1" name=""/>
+        <p:cNvGrpSpPr/>
+        <p:nvPr/>
+      </p:nvGrpSpPr>
+      <p:grpSpPr>
+        <a:xfrm>
+          <a:off x="0" y="0"/>
+          <a:ext cx="0" cy="0"/>
+          <a:chOff x="0" y="0"/>
+          <a:chExt cx="0" cy="0"/>
+        </a:xfrm>
+      </p:grpSpPr>
+      <p:sp>
+        <p:nvSpPr>
+          <p:cNvPr id="2" name="Cím 1"/>
+          <p:cNvSpPr>
+            <a:spLocks noGrp="1"/>
+          </p:cNvSpPr>
+          <p:nvPr>
+            <p:ph type="title"/>
+          </p:nvPr>
+        </p:nvSpPr>
+        <p:spPr/>
+        <p:txBody>
+          <a:bodyPr/>
+          <a:lstStyle/>
+          <a:p>
+            <a:r>
+              <a:rPr lang="hu-HU" dirty="0" smtClean="0"/>
+              <a:t>Az entitás modell</a:t>
+            </a:r>
+            <a:endParaRPr lang="hu-HU" dirty="0"/>
+          </a:p>
+        </p:txBody>
+      </p:sp>
+      <p:sp>
+        <p:nvSpPr>
+          <p:cNvPr id="4" name="Dia számának helye 3"/>
+          <p:cNvSpPr>
+            <a:spLocks noGrp="1"/>
+          </p:cNvSpPr>
+          <p:nvPr>
+            <p:ph type="sldNum" sz="quarter" idx="12"/>
+          </p:nvPr>
+        </p:nvSpPr>
+        <p:spPr/>
+        <p:txBody>
+          <a:bodyPr/>
+          <a:lstStyle/>
+          <a:p>
+            <a:fld id="{53C2A44F-FBB0-495B-B99B-04B6067A3D52}" type="slidenum">
+              <a:rPr lang="hu-HU" smtClean="0"/>
+              <a:pPr/>
+              <a:t>6</a:t>
+            </a:fld>
+            <a:r>
+              <a:rPr lang="hu-HU" dirty="0" smtClean="0"/>
+              <a:t>/10</a:t>
+            </a:r>
+            <a:endParaRPr lang="hu-HU" dirty="0"/>
+          </a:p>
+        </p:txBody>
+      </p:sp>
+      <p:pic>
+        <p:nvPicPr>
+          <p:cNvPr id="7" name="Tartalom helye 6"/>
+          <p:cNvPicPr>
+            <a:picLocks noGrp="1"/>
+          </p:cNvPicPr>
+          <p:nvPr>
+            <p:ph idx="1"/>
+          </p:nvPr>
+        </p:nvPicPr>
+        <p:blipFill>
+          <a:blip r:embed="rId2">
+            <a:extLst>
+              <a:ext uri="{28A0092B-C50C-407E-A947-70E740481C1C}">
+                <a14:useLocalDpi xmlns:a14="http://schemas.microsoft.com/office/drawing/2010/main" val="0"/>
+              </a:ext>
+            </a:extLst>
+          </a:blip>
+          <a:srcRect/>
+          <a:stretch>
+            <a:fillRect/>
+          </a:stretch>
+        </p:blipFill>
+        <p:spPr bwMode="auto">
+          <a:xfrm>
+            <a:off x="1945201" y="1507759"/>
+            <a:ext cx="4801588" cy="4808537"/>
+          </a:xfrm>
+          <a:prstGeom prst="rect">
+            <a:avLst/>
+          </a:prstGeom>
+          <a:noFill/>
+          <a:ln>
+            <a:noFill/>
+          </a:ln>
+        </p:spPr>
+      </p:pic>
+    </p:spTree>
+    <p:extLst>
+      <p:ext uri="{BB962C8B-B14F-4D97-AF65-F5344CB8AC3E}">
+        <p14:creationId xmlns:p14="http://schemas.microsoft.com/office/powerpoint/2010/main" val="4227169116"/>
+      </p:ext>
+    </p:extLst>
+  </p:cSld>
+  <p:clrMapOvr>
+    <a:masterClrMapping/>
+  </p:clrMapOvr>
+  <p:transition spd="slow">
+    <p:cover dir="u"/>
+  </p:transition>
+  <p:timing>
+    <p:tnLst>
+      <p:par>
+        <p:cTn id="1" dur="indefinite" restart="never" nodeType="tmRoot"/>
+      </p:par>
+    </p:tnLst>
+  </p:timing>
+</p:sld>
+</file>
+
+<file path=ppt/slides/slide7.xml><?xml version="1.0" encoding="utf-8"?>
+<p:sld xmlns:a="http://schemas.openxmlformats.org/drawingml/2006/main" xmlns:r="http://schemas.openxmlformats.org/officeDocument/2006/relationships" xmlns:p="http://schemas.openxmlformats.org/presentationml/2006/main">
+  <p:cSld>
+    <p:spTree>
+      <p:nvGrpSpPr>
+        <p:cNvPr id="1" name=""/>
+        <p:cNvGrpSpPr/>
+        <p:nvPr/>
+      </p:nvGrpSpPr>
+      <p:grpSpPr>
+        <a:xfrm>
+          <a:off x="0" y="0"/>
+          <a:ext cx="0" cy="0"/>
+          <a:chOff x="0" y="0"/>
+          <a:chExt cx="0" cy="0"/>
+        </a:xfrm>
+      </p:grpSpPr>
+      <p:sp>
+        <p:nvSpPr>
+          <p:cNvPr id="2" name="Cím 1"/>
+          <p:cNvSpPr>
+            <a:spLocks noGrp="1"/>
+          </p:cNvSpPr>
+          <p:nvPr>
+            <p:ph type="title"/>
+          </p:nvPr>
+        </p:nvSpPr>
+        <p:spPr/>
+        <p:txBody>
+          <a:bodyPr/>
+          <a:lstStyle/>
+          <a:p>
+            <a:r>
+              <a:rPr lang="hu-HU" dirty="0" smtClean="0"/>
+              <a:t>Kihívások a fejlesztés során</a:t>
+            </a:r>
+            <a:endParaRPr lang="hu-HU" dirty="0"/>
+          </a:p>
+        </p:txBody>
+      </p:sp>
+      <p:sp>
+        <p:nvSpPr>
+          <p:cNvPr id="3" name="Tartalom helye 2"/>
+          <p:cNvSpPr>
+            <a:spLocks noGrp="1"/>
+          </p:cNvSpPr>
+          <p:nvPr>
+            <p:ph idx="1"/>
+          </p:nvPr>
+        </p:nvSpPr>
+        <p:spPr/>
+        <p:txBody>
+          <a:bodyPr/>
+          <a:lstStyle/>
+          <a:p>
+            <a:r>
+              <a:rPr lang="hu-HU" dirty="0" smtClean="0"/>
+              <a:t>Kliens oldal</a:t>
+            </a:r>
+          </a:p>
+          <a:p>
+            <a:pPr lvl="1"/>
+            <a:r>
+              <a:rPr lang="hu-HU" dirty="0" smtClean="0"/>
+              <a:t>TypeScript</a:t>
+            </a:r>
+          </a:p>
+          <a:p>
+            <a:pPr lvl="1"/>
+            <a:r>
+              <a:rPr lang="hu-HU" dirty="0" smtClean="0"/>
+              <a:t>AngularJs - SVG </a:t>
+            </a:r>
+            <a:r>
+              <a:rPr lang="hu-HU" dirty="0" smtClean="0"/>
+              <a:t>direktívák</a:t>
+            </a:r>
+          </a:p>
+          <a:p>
+            <a:r>
+              <a:rPr lang="hu-HU" dirty="0" smtClean="0"/>
+              <a:t>Szerver oldal</a:t>
+            </a:r>
+          </a:p>
+          <a:p>
+            <a:pPr lvl="1"/>
+            <a:r>
+              <a:rPr lang="hu-HU" dirty="0" err="1" smtClean="0"/>
+              <a:t>SignalR</a:t>
+            </a:r>
+            <a:r>
+              <a:rPr lang="hu-HU" dirty="0" smtClean="0"/>
+              <a:t> – </a:t>
+            </a:r>
+            <a:r>
+              <a:rPr lang="hu-HU" dirty="0" err="1" smtClean="0"/>
+              <a:t>Json.NET</a:t>
+            </a:r>
+            <a:endParaRPr lang="hu-HU" dirty="0" smtClean="0"/>
+          </a:p>
+          <a:p>
+            <a:pPr lvl="1"/>
+            <a:r>
+              <a:rPr lang="hu-HU" dirty="0" err="1" smtClean="0"/>
+              <a:t>Entity</a:t>
+            </a:r>
+            <a:r>
+              <a:rPr lang="hu-HU" smtClean="0"/>
+              <a:t> Framework</a:t>
+            </a:r>
+            <a:endParaRPr lang="hu-HU" dirty="0" smtClean="0"/>
+          </a:p>
+          <a:p>
+            <a:pPr lvl="1"/>
+            <a:endParaRPr lang="hu-HU" dirty="0"/>
+          </a:p>
+        </p:txBody>
+      </p:sp>
+      <p:sp>
+        <p:nvSpPr>
+          <p:cNvPr id="4" name="Dia számának helye 3"/>
+          <p:cNvSpPr>
+            <a:spLocks noGrp="1"/>
+          </p:cNvSpPr>
+          <p:nvPr>
+            <p:ph type="sldNum" sz="quarter" idx="12"/>
+          </p:nvPr>
+        </p:nvSpPr>
+        <p:spPr/>
+        <p:txBody>
+          <a:bodyPr/>
+          <a:lstStyle/>
+          <a:p>
+            <a:fld id="{53C2A44F-FBB0-495B-B99B-04B6067A3D52}" type="slidenum">
+              <a:rPr lang="hu-HU" smtClean="0"/>
+              <a:pPr/>
+              <a:t>7</a:t>
+            </a:fld>
+            <a:r>
+              <a:rPr lang="hu-HU" dirty="0" smtClean="0"/>
+              <a:t>/10</a:t>
+            </a:r>
+            <a:endParaRPr lang="hu-HU" dirty="0"/>
+          </a:p>
+        </p:txBody>
+      </p:sp>
+    </p:spTree>
+    <p:extLst>
+      <p:ext uri="{BB962C8B-B14F-4D97-AF65-F5344CB8AC3E}">
+        <p14:creationId xmlns:p14="http://schemas.microsoft.com/office/powerpoint/2010/main" val="1771596016"/>
+      </p:ext>
+    </p:extLst>
+  </p:cSld>
+  <p:clrMapOvr>
+    <a:masterClrMapping/>
+  </p:clrMapOvr>
+  <p:transition spd="slow">
+    <p:cover dir="u"/>
+  </p:transition>
+</p:sld>
+</file>
+
+<file path=ppt/slides/slide8.xml><?xml version="1.0" encoding="utf-8"?>
+<p:sld xmlns:a="http://schemas.openxmlformats.org/drawingml/2006/main" xmlns:r="http://schemas.openxmlformats.org/officeDocument/2006/relationships" xmlns:p="http://schemas.openxmlformats.org/presentationml/2006/main">
+  <p:cSld>
+    <p:spTree>
+      <p:nvGrpSpPr>
+        <p:cNvPr id="1" name=""/>
+        <p:cNvGrpSpPr/>
+        <p:nvPr/>
+      </p:nvGrpSpPr>
+      <p:grpSpPr>
+        <a:xfrm>
+          <a:off x="0" y="0"/>
+          <a:ext cx="0" cy="0"/>
+          <a:chOff x="0" y="0"/>
+          <a:chExt cx="0" cy="0"/>
+        </a:xfrm>
+      </p:grpSpPr>
+      <p:sp>
+        <p:nvSpPr>
+          <p:cNvPr id="5" name="Cím 4"/>
+          <p:cNvSpPr>
+            <a:spLocks noGrp="1"/>
+          </p:cNvSpPr>
+          <p:nvPr>
+            <p:ph type="ctrTitle"/>
+          </p:nvPr>
+        </p:nvSpPr>
+        <p:spPr/>
+        <p:txBody>
+          <a:bodyPr/>
+          <a:lstStyle/>
+          <a:p>
+            <a:r>
+              <a:rPr lang="hu-HU" dirty="0" smtClean="0"/>
+              <a:t>Az elkészült eszköz bemutatása</a:t>
+            </a:r>
+            <a:endParaRPr lang="hu-HU" dirty="0"/>
+          </a:p>
+        </p:txBody>
+      </p:sp>
+      <p:sp>
+        <p:nvSpPr>
+          <p:cNvPr id="6" name="Alcím 5"/>
+          <p:cNvSpPr>
+            <a:spLocks noGrp="1"/>
+          </p:cNvSpPr>
+          <p:nvPr>
+            <p:ph type="subTitle" idx="1"/>
+          </p:nvPr>
+        </p:nvSpPr>
+        <p:spPr/>
+        <p:txBody>
+          <a:bodyPr/>
+          <a:lstStyle/>
+          <a:p>
+            <a:endParaRPr lang="hu-HU" dirty="0"/>
+          </a:p>
+        </p:txBody>
+      </p:sp>
+      <p:sp>
+        <p:nvSpPr>
+          <p:cNvPr id="4" name="Dia számának helye 3"/>
+          <p:cNvSpPr>
+            <a:spLocks noGrp="1"/>
+          </p:cNvSpPr>
+          <p:nvPr>
+            <p:ph type="sldNum" sz="quarter" idx="12"/>
+          </p:nvPr>
+        </p:nvSpPr>
+        <p:spPr>
+          <a:xfrm>
+            <a:off x="367323" y="4529541"/>
+            <a:ext cx="797169" cy="365125"/>
+          </a:xfrm>
+        </p:spPr>
+        <p:txBody>
+          <a:bodyPr/>
+          <a:lstStyle/>
+          <a:p>
+            <a:fld id="{53C2A44F-FBB0-495B-B99B-04B6067A3D52}" type="slidenum">
+              <a:rPr lang="hu-HU" smtClean="0"/>
+              <a:pPr/>
+              <a:t>8</a:t>
+            </a:fld>
+            <a:r>
+              <a:rPr lang="hu-HU" dirty="0" smtClean="0"/>
+              <a:t>/10</a:t>
+            </a:r>
+            <a:endParaRPr lang="hu-HU" dirty="0"/>
+          </a:p>
+        </p:txBody>
+      </p:sp>
+    </p:spTree>
+    <p:extLst>
+      <p:ext uri="{BB962C8B-B14F-4D97-AF65-F5344CB8AC3E}">
+        <p14:creationId xmlns:p14="http://schemas.microsoft.com/office/powerpoint/2010/main" val="3665955540"/>
+      </p:ext>
+    </p:extLst>
+  </p:cSld>
+  <p:clrMapOvr>
+    <a:masterClrMapping/>
+  </p:clrMapOvr>
+  <p:transition spd="slow">
+    <p:cover dir="u"/>
+  </p:transition>
+  <p:timing>
+    <p:tnLst>
+      <p:par>
+        <p:cTn id="1" dur="indefinite" restart="never" nodeType="tmRoot"/>
+      </p:par>
+    </p:tnLst>
+  </p:timing>
+</p:sld>
+</file>
+
+<file path=ppt/slides/slide9.xml><?xml version="1.0" encoding="utf-8"?>
+<p:sld xmlns:a="http://schemas.openxmlformats.org/drawingml/2006/main" xmlns:r="http://schemas.openxmlformats.org/officeDocument/2006/relationships" xmlns:p="http://schemas.openxmlformats.org/presentationml/2006/main">
+  <p:cSld>
+    <p:spTree>
+      <p:nvGrpSpPr>
+        <p:cNvPr id="1" name=""/>
+        <p:cNvGrpSpPr/>
+        <p:nvPr/>
+      </p:nvGrpSpPr>
+      <p:grpSpPr>
+        <a:xfrm>
+          <a:off x="0" y="0"/>
+          <a:ext cx="0" cy="0"/>
+          <a:chOff x="0" y="0"/>
+          <a:chExt cx="0" cy="0"/>
+        </a:xfrm>
+      </p:grpSpPr>
+      <p:sp>
+        <p:nvSpPr>
+          <p:cNvPr id="2" name="Cím 1"/>
+          <p:cNvSpPr>
+            <a:spLocks noGrp="1"/>
+          </p:cNvSpPr>
+          <p:nvPr>
+            <p:ph type="title"/>
+          </p:nvPr>
+        </p:nvSpPr>
+        <p:spPr/>
+        <p:txBody>
+          <a:bodyPr/>
+          <a:lstStyle/>
+          <a:p>
+            <a:r>
+              <a:rPr lang="hu-HU" dirty="0" smtClean="0"/>
+              <a:t>További célok az eszközzel</a:t>
+            </a:r>
+            <a:endParaRPr lang="hu-HU" dirty="0"/>
+          </a:p>
+        </p:txBody>
+      </p:sp>
+      <p:sp>
+        <p:nvSpPr>
+          <p:cNvPr id="3" name="Tartalom helye 2"/>
+          <p:cNvSpPr>
+            <a:spLocks noGrp="1"/>
+          </p:cNvSpPr>
+          <p:nvPr>
+            <p:ph idx="1"/>
+          </p:nvPr>
+        </p:nvSpPr>
+        <p:spPr/>
+        <p:txBody>
+          <a:bodyPr/>
+          <a:lstStyle/>
+          <a:p>
+            <a:endParaRPr lang="hu-HU" dirty="0"/>
+          </a:p>
+        </p:txBody>
+      </p:sp>
+      <p:sp>
+        <p:nvSpPr>
+          <p:cNvPr id="4" name="Dia számának helye 3"/>
+          <p:cNvSpPr>
+            <a:spLocks noGrp="1"/>
+          </p:cNvSpPr>
+          <p:nvPr>
+            <p:ph type="sldNum" sz="quarter" idx="12"/>
+          </p:nvPr>
+        </p:nvSpPr>
+        <p:spPr/>
+        <p:txBody>
+          <a:bodyPr/>
+          <a:lstStyle/>
+          <a:p>
+            <a:fld id="{53C2A44F-FBB0-495B-B99B-04B6067A3D52}" type="slidenum">
+              <a:rPr lang="hu-HU" smtClean="0"/>
+              <a:pPr/>
+              <a:t>9</a:t>
+            </a:fld>
+            <a:r>
+              <a:rPr lang="hu-HU" dirty="0" smtClean="0"/>
+              <a:t>/10</a:t>
+            </a:r>
+            <a:endParaRPr lang="hu-HU" dirty="0"/>
+          </a:p>
+        </p:txBody>
+      </p:sp>
+    </p:spTree>
+    <p:extLst>
+      <p:ext uri="{BB962C8B-B14F-4D97-AF65-F5344CB8AC3E}">
+        <p14:creationId xmlns:p14="http://schemas.microsoft.com/office/powerpoint/2010/main" val="15449555"/>
+      </p:ext>
+    </p:extLst>
+  </p:cSld>
+  <p:clrMapOvr>
+    <a:masterClrMapping/>
+  </p:clrMapOvr>
+  <p:transition spd="slow">
+    <p:cover dir="u"/>
+  </p:transition>
 </p:sld>
 </file>
 
